--- a/documents/Document3-sequence diagrams.pptx
+++ b/documents/Document3-sequence diagrams.pptx
@@ -111,6 +111,11 @@
       </a:defRPr>
     </a:lvl9pPr>
   </p:defaultTextStyle>
+  <p:extLst>
+    <p:ext uri="{EFAFB233-063F-42B5-8137-9DF3F51BA10A}">
+      <p15:sldGuideLst xmlns:p15="http://schemas.microsoft.com/office/powerpoint/2012/main"/>
+    </p:ext>
+  </p:extLst>
 </p:presentation>
 </file>
 
@@ -159,7 +164,6 @@
               <a:rPr lang="en-US"/>
               <a:t>Click to edit Master title style</a:t>
             </a:r>
-            <a:endParaRPr lang="en-US"/>
           </a:p>
         </p:txBody>
       </p:sp>
@@ -224,7 +228,6 @@
               <a:rPr lang="en-US"/>
               <a:t>Click to edit Master subtitle style</a:t>
             </a:r>
-            <a:endParaRPr lang="en-US"/>
           </a:p>
         </p:txBody>
       </p:sp>
@@ -245,7 +248,7 @@
           <a:p>
             <a:fld id="{E9A077C6-3EC3-4E69-8CE4-48E127A471B0}" type="datetimeFigureOut">
               <a:rPr lang="en-US" smtClean="0"/>
-              <a:t>2/21/2017</a:t>
+              <a:t>4/8/2017</a:t>
             </a:fld>
             <a:endParaRPr lang="en-US"/>
           </a:p>
@@ -342,7 +345,6 @@
               <a:rPr lang="en-US"/>
               <a:t>Click to edit Master title style</a:t>
             </a:r>
-            <a:endParaRPr lang="en-US"/>
           </a:p>
         </p:txBody>
       </p:sp>
@@ -394,7 +396,6 @@
               <a:rPr lang="en-US"/>
               <a:t>Fifth level</a:t>
             </a:r>
-            <a:endParaRPr lang="en-US"/>
           </a:p>
         </p:txBody>
       </p:sp>
@@ -415,7 +416,7 @@
           <a:p>
             <a:fld id="{E9A077C6-3EC3-4E69-8CE4-48E127A471B0}" type="datetimeFigureOut">
               <a:rPr lang="en-US" smtClean="0"/>
-              <a:t>2/21/2017</a:t>
+              <a:t>4/8/2017</a:t>
             </a:fld>
             <a:endParaRPr lang="en-US"/>
           </a:p>
@@ -517,7 +518,6 @@
               <a:rPr lang="en-US"/>
               <a:t>Click to edit Master title style</a:t>
             </a:r>
-            <a:endParaRPr lang="en-US"/>
           </a:p>
         </p:txBody>
       </p:sp>
@@ -574,7 +574,6 @@
               <a:rPr lang="en-US"/>
               <a:t>Fifth level</a:t>
             </a:r>
-            <a:endParaRPr lang="en-US"/>
           </a:p>
         </p:txBody>
       </p:sp>
@@ -595,7 +594,7 @@
           <a:p>
             <a:fld id="{E9A077C6-3EC3-4E69-8CE4-48E127A471B0}" type="datetimeFigureOut">
               <a:rPr lang="en-US" smtClean="0"/>
-              <a:t>2/21/2017</a:t>
+              <a:t>4/8/2017</a:t>
             </a:fld>
             <a:endParaRPr lang="en-US"/>
           </a:p>
@@ -692,7 +691,6 @@
               <a:rPr lang="en-US"/>
               <a:t>Click to edit Master title style</a:t>
             </a:r>
-            <a:endParaRPr lang="en-US"/>
           </a:p>
         </p:txBody>
       </p:sp>
@@ -744,7 +742,6 @@
               <a:rPr lang="en-US"/>
               <a:t>Fifth level</a:t>
             </a:r>
-            <a:endParaRPr lang="en-US"/>
           </a:p>
         </p:txBody>
       </p:sp>
@@ -765,7 +762,7 @@
           <a:p>
             <a:fld id="{E9A077C6-3EC3-4E69-8CE4-48E127A471B0}" type="datetimeFigureOut">
               <a:rPr lang="en-US" smtClean="0"/>
-              <a:t>2/21/2017</a:t>
+              <a:t>4/8/2017</a:t>
             </a:fld>
             <a:endParaRPr lang="en-US"/>
           </a:p>
@@ -871,7 +868,6 @@
               <a:rPr lang="en-US"/>
               <a:t>Click to edit Master title style</a:t>
             </a:r>
-            <a:endParaRPr lang="en-US"/>
           </a:p>
         </p:txBody>
       </p:sp>
@@ -1011,7 +1007,7 @@
           <a:p>
             <a:fld id="{E9A077C6-3EC3-4E69-8CE4-48E127A471B0}" type="datetimeFigureOut">
               <a:rPr lang="en-US" smtClean="0"/>
-              <a:t>2/21/2017</a:t>
+              <a:t>4/8/2017</a:t>
             </a:fld>
             <a:endParaRPr lang="en-US"/>
           </a:p>
@@ -1108,7 +1104,6 @@
               <a:rPr lang="en-US"/>
               <a:t>Click to edit Master title style</a:t>
             </a:r>
-            <a:endParaRPr lang="en-US"/>
           </a:p>
         </p:txBody>
       </p:sp>
@@ -1165,7 +1160,6 @@
               <a:rPr lang="en-US"/>
               <a:t>Fifth level</a:t>
             </a:r>
-            <a:endParaRPr lang="en-US"/>
           </a:p>
         </p:txBody>
       </p:sp>
@@ -1222,7 +1216,6 @@
               <a:rPr lang="en-US"/>
               <a:t>Fifth level</a:t>
             </a:r>
-            <a:endParaRPr lang="en-US"/>
           </a:p>
         </p:txBody>
       </p:sp>
@@ -1243,7 +1236,7 @@
           <a:p>
             <a:fld id="{E9A077C6-3EC3-4E69-8CE4-48E127A471B0}" type="datetimeFigureOut">
               <a:rPr lang="en-US" smtClean="0"/>
-              <a:t>2/21/2017</a:t>
+              <a:t>4/8/2017</a:t>
             </a:fld>
             <a:endParaRPr lang="en-US"/>
           </a:p>
@@ -1345,7 +1338,6 @@
               <a:rPr lang="en-US"/>
               <a:t>Click to edit Master title style</a:t>
             </a:r>
-            <a:endParaRPr lang="en-US"/>
           </a:p>
         </p:txBody>
       </p:sp>
@@ -1467,7 +1459,6 @@
               <a:rPr lang="en-US"/>
               <a:t>Fifth level</a:t>
             </a:r>
-            <a:endParaRPr lang="en-US"/>
           </a:p>
         </p:txBody>
       </p:sp>
@@ -1589,7 +1580,6 @@
               <a:rPr lang="en-US"/>
               <a:t>Fifth level</a:t>
             </a:r>
-            <a:endParaRPr lang="en-US"/>
           </a:p>
         </p:txBody>
       </p:sp>
@@ -1610,7 +1600,7 @@
           <a:p>
             <a:fld id="{E9A077C6-3EC3-4E69-8CE4-48E127A471B0}" type="datetimeFigureOut">
               <a:rPr lang="en-US" smtClean="0"/>
-              <a:t>2/21/2017</a:t>
+              <a:t>4/8/2017</a:t>
             </a:fld>
             <a:endParaRPr lang="en-US"/>
           </a:p>
@@ -1707,7 +1697,6 @@
               <a:rPr lang="en-US"/>
               <a:t>Click to edit Master title style</a:t>
             </a:r>
-            <a:endParaRPr lang="en-US"/>
           </a:p>
         </p:txBody>
       </p:sp>
@@ -1728,7 +1717,7 @@
           <a:p>
             <a:fld id="{E9A077C6-3EC3-4E69-8CE4-48E127A471B0}" type="datetimeFigureOut">
               <a:rPr lang="en-US" smtClean="0"/>
-              <a:t>2/21/2017</a:t>
+              <a:t>4/8/2017</a:t>
             </a:fld>
             <a:endParaRPr lang="en-US"/>
           </a:p>
@@ -1823,7 +1812,7 @@
           <a:p>
             <a:fld id="{E9A077C6-3EC3-4E69-8CE4-48E127A471B0}" type="datetimeFigureOut">
               <a:rPr lang="en-US" smtClean="0"/>
-              <a:t>2/21/2017</a:t>
+              <a:t>4/8/2017</a:t>
             </a:fld>
             <a:endParaRPr lang="en-US"/>
           </a:p>
@@ -1929,7 +1918,6 @@
               <a:rPr lang="en-US"/>
               <a:t>Click to edit Master title style</a:t>
             </a:r>
-            <a:endParaRPr lang="en-US"/>
           </a:p>
         </p:txBody>
       </p:sp>
@@ -2014,7 +2002,6 @@
               <a:rPr lang="en-US"/>
               <a:t>Fifth level</a:t>
             </a:r>
-            <a:endParaRPr lang="en-US"/>
           </a:p>
         </p:txBody>
       </p:sp>
@@ -2100,7 +2087,7 @@
           <a:p>
             <a:fld id="{E9A077C6-3EC3-4E69-8CE4-48E127A471B0}" type="datetimeFigureOut">
               <a:rPr lang="en-US" smtClean="0"/>
-              <a:t>2/21/2017</a:t>
+              <a:t>4/8/2017</a:t>
             </a:fld>
             <a:endParaRPr lang="en-US"/>
           </a:p>
@@ -2206,7 +2193,6 @@
               <a:rPr lang="en-US"/>
               <a:t>Click to edit Master title style</a:t>
             </a:r>
-            <a:endParaRPr lang="en-US"/>
           </a:p>
         </p:txBody>
       </p:sp>
@@ -2353,7 +2339,7 @@
           <a:p>
             <a:fld id="{E9A077C6-3EC3-4E69-8CE4-48E127A471B0}" type="datetimeFigureOut">
               <a:rPr lang="en-US" smtClean="0"/>
-              <a:t>2/21/2017</a:t>
+              <a:t>4/8/2017</a:t>
             </a:fld>
             <a:endParaRPr lang="en-US"/>
           </a:p>
@@ -2465,7 +2451,6 @@
               <a:rPr lang="en-US"/>
               <a:t>Click to edit Master title style</a:t>
             </a:r>
-            <a:endParaRPr lang="en-US"/>
           </a:p>
         </p:txBody>
       </p:sp>
@@ -2527,7 +2512,6 @@
               <a:rPr lang="en-US"/>
               <a:t>Fifth level</a:t>
             </a:r>
-            <a:endParaRPr lang="en-US"/>
           </a:p>
         </p:txBody>
       </p:sp>
@@ -2566,7 +2550,7 @@
           <a:p>
             <a:fld id="{E9A077C6-3EC3-4E69-8CE4-48E127A471B0}" type="datetimeFigureOut">
               <a:rPr lang="en-US" smtClean="0"/>
-              <a:t>2/21/2017</a:t>
+              <a:t>4/8/2017</a:t>
             </a:fld>
             <a:endParaRPr lang="en-US"/>
           </a:p>
@@ -4398,7 +4382,7 @@
         </p:nvCxnSpPr>
         <p:spPr>
           <a:xfrm>
-            <a:off x="1708500" y="1732219"/>
+            <a:off x="1664719" y="2495696"/>
             <a:ext cx="2409161" cy="0"/>
           </a:xfrm>
           <a:prstGeom prst="straightConnector1">
@@ -4431,7 +4415,7 @@
         </p:nvSpPr>
         <p:spPr>
           <a:xfrm>
-            <a:off x="1997179" y="1362887"/>
+            <a:off x="1953398" y="2126364"/>
             <a:ext cx="1668918" cy="369332"/>
           </a:xfrm>
           <a:prstGeom prst="rect">
@@ -4467,7 +4451,7 @@
         </p:nvCxnSpPr>
         <p:spPr>
           <a:xfrm>
-            <a:off x="1708499" y="2163905"/>
+            <a:off x="1664718" y="2927382"/>
             <a:ext cx="2409161" cy="0"/>
           </a:xfrm>
           <a:prstGeom prst="straightConnector1">
@@ -4500,7 +4484,7 @@
         </p:nvSpPr>
         <p:spPr>
           <a:xfrm>
-            <a:off x="2030692" y="1794572"/>
+            <a:off x="1986911" y="2558049"/>
             <a:ext cx="1632178" cy="369332"/>
           </a:xfrm>
           <a:prstGeom prst="rect">
@@ -4531,7 +4515,7 @@
         </p:nvCxnSpPr>
         <p:spPr>
           <a:xfrm>
-            <a:off x="1645372" y="5974729"/>
+            <a:off x="1635155" y="5495957"/>
             <a:ext cx="2409161" cy="0"/>
           </a:xfrm>
           <a:prstGeom prst="straightConnector1">
@@ -4564,7 +4548,7 @@
         </p:nvSpPr>
         <p:spPr>
           <a:xfrm>
-            <a:off x="1873833" y="5567297"/>
+            <a:off x="1863616" y="5088525"/>
             <a:ext cx="2027414" cy="369332"/>
           </a:xfrm>
           <a:prstGeom prst="rect">
@@ -4793,7 +4777,7 @@
         </p:nvCxnSpPr>
         <p:spPr>
           <a:xfrm>
-            <a:off x="1708499" y="2641841"/>
+            <a:off x="1664718" y="3405318"/>
             <a:ext cx="2409161" cy="0"/>
           </a:xfrm>
           <a:prstGeom prst="straightConnector1">
@@ -4826,7 +4810,7 @@
         </p:nvSpPr>
         <p:spPr>
           <a:xfrm>
-            <a:off x="2030692" y="2272508"/>
+            <a:off x="1986911" y="3035985"/>
             <a:ext cx="1504707" cy="369332"/>
           </a:xfrm>
           <a:prstGeom prst="rect">
@@ -4857,7 +4841,7 @@
         </p:nvCxnSpPr>
         <p:spPr>
           <a:xfrm>
-            <a:off x="1696732" y="3005211"/>
+            <a:off x="1652951" y="3768688"/>
             <a:ext cx="2409161" cy="0"/>
           </a:xfrm>
           <a:prstGeom prst="straightConnector1">
@@ -4890,7 +4874,7 @@
         </p:nvSpPr>
         <p:spPr>
           <a:xfrm>
-            <a:off x="2018925" y="2635878"/>
+            <a:off x="1975144" y="3399355"/>
             <a:ext cx="1597553" cy="369332"/>
           </a:xfrm>
           <a:prstGeom prst="rect">
@@ -4926,7 +4910,7 @@
         </p:nvCxnSpPr>
         <p:spPr>
           <a:xfrm>
-            <a:off x="1708499" y="3392726"/>
+            <a:off x="1664718" y="4156203"/>
             <a:ext cx="2409161" cy="0"/>
           </a:xfrm>
           <a:prstGeom prst="straightConnector1">
@@ -4959,7 +4943,7 @@
         </p:nvSpPr>
         <p:spPr>
           <a:xfrm>
-            <a:off x="1762992" y="3024710"/>
+            <a:off x="1729597" y="3861688"/>
             <a:ext cx="2411173" cy="369332"/>
           </a:xfrm>
           <a:prstGeom prst="rect">
@@ -4976,198 +4960,6 @@
             <a:r>
               <a:rPr lang="en-US" dirty="0"/>
               <a:t>Input confirm password</a:t>
-            </a:r>
-          </a:p>
-        </p:txBody>
-      </p:sp>
-      <p:cxnSp>
-        <p:nvCxnSpPr>
-          <p:cNvPr id="35" name="Straight Arrow Connector 34"/>
-          <p:cNvCxnSpPr>
-            <a:cxnSpLocks/>
-          </p:cNvCxnSpPr>
-          <p:nvPr/>
-        </p:nvCxnSpPr>
-        <p:spPr>
-          <a:xfrm>
-            <a:off x="1684849" y="3785321"/>
-            <a:ext cx="2409161" cy="0"/>
-          </a:xfrm>
-          <a:prstGeom prst="straightConnector1">
-            <a:avLst/>
-          </a:prstGeom>
-          <a:ln>
-            <a:tailEnd type="triangle"/>
-          </a:ln>
-        </p:spPr>
-        <p:style>
-          <a:lnRef idx="1">
-            <a:schemeClr val="accent1"/>
-          </a:lnRef>
-          <a:fillRef idx="0">
-            <a:schemeClr val="accent1"/>
-          </a:fillRef>
-          <a:effectRef idx="0">
-            <a:schemeClr val="accent1"/>
-          </a:effectRef>
-          <a:fontRef idx="minor">
-            <a:schemeClr val="tx1"/>
-          </a:fontRef>
-        </p:style>
-      </p:cxnSp>
-      <p:sp>
-        <p:nvSpPr>
-          <p:cNvPr id="36" name="TextBox 35"/>
-          <p:cNvSpPr txBox="1"/>
-          <p:nvPr/>
-        </p:nvSpPr>
-        <p:spPr>
-          <a:xfrm>
-            <a:off x="2138249" y="3410977"/>
-            <a:ext cx="1464055" cy="369332"/>
-          </a:xfrm>
-          <a:prstGeom prst="rect">
-            <a:avLst/>
-          </a:prstGeom>
-          <a:noFill/>
-        </p:spPr>
-        <p:txBody>
-          <a:bodyPr wrap="square" rtlCol="0">
-            <a:spAutoFit/>
-          </a:bodyPr>
-          <a:lstStyle/>
-          <a:p>
-            <a:r>
-              <a:rPr lang="en-US" dirty="0"/>
-              <a:t>Input address</a:t>
-            </a:r>
-          </a:p>
-        </p:txBody>
-      </p:sp>
-      <p:cxnSp>
-        <p:nvCxnSpPr>
-          <p:cNvPr id="37" name="Straight Arrow Connector 36"/>
-          <p:cNvCxnSpPr>
-            <a:cxnSpLocks/>
-          </p:cNvCxnSpPr>
-          <p:nvPr/>
-        </p:nvCxnSpPr>
-        <p:spPr>
-          <a:xfrm>
-            <a:off x="1697392" y="4202822"/>
-            <a:ext cx="2409161" cy="0"/>
-          </a:xfrm>
-          <a:prstGeom prst="straightConnector1">
-            <a:avLst/>
-          </a:prstGeom>
-          <a:ln>
-            <a:tailEnd type="triangle"/>
-          </a:ln>
-        </p:spPr>
-        <p:style>
-          <a:lnRef idx="1">
-            <a:schemeClr val="accent1"/>
-          </a:lnRef>
-          <a:fillRef idx="0">
-            <a:schemeClr val="accent1"/>
-          </a:fillRef>
-          <a:effectRef idx="0">
-            <a:schemeClr val="accent1"/>
-          </a:effectRef>
-          <a:fontRef idx="minor">
-            <a:schemeClr val="tx1"/>
-          </a:fontRef>
-        </p:style>
-      </p:cxnSp>
-      <p:sp>
-        <p:nvSpPr>
-          <p:cNvPr id="38" name="TextBox 37"/>
-          <p:cNvSpPr txBox="1"/>
-          <p:nvPr/>
-        </p:nvSpPr>
-        <p:spPr>
-          <a:xfrm>
-            <a:off x="1765004" y="3803078"/>
-            <a:ext cx="2340889" cy="369332"/>
-          </a:xfrm>
-          <a:prstGeom prst="rect">
-            <a:avLst/>
-          </a:prstGeom>
-          <a:noFill/>
-        </p:spPr>
-        <p:txBody>
-          <a:bodyPr wrap="square" rtlCol="0">
-            <a:spAutoFit/>
-          </a:bodyPr>
-          <a:lstStyle/>
-          <a:p>
-            <a:r>
-              <a:rPr lang="en-US" dirty="0"/>
-              <a:t>Input Routing Number</a:t>
-            </a:r>
-          </a:p>
-        </p:txBody>
-      </p:sp>
-      <p:cxnSp>
-        <p:nvCxnSpPr>
-          <p:cNvPr id="39" name="Straight Arrow Connector 38"/>
-          <p:cNvCxnSpPr>
-            <a:cxnSpLocks/>
-          </p:cNvCxnSpPr>
-          <p:nvPr/>
-        </p:nvCxnSpPr>
-        <p:spPr>
-          <a:xfrm>
-            <a:off x="1684849" y="4648660"/>
-            <a:ext cx="2409161" cy="0"/>
-          </a:xfrm>
-          <a:prstGeom prst="straightConnector1">
-            <a:avLst/>
-          </a:prstGeom>
-          <a:ln>
-            <a:tailEnd type="triangle"/>
-          </a:ln>
-        </p:spPr>
-        <p:style>
-          <a:lnRef idx="1">
-            <a:schemeClr val="accent1"/>
-          </a:lnRef>
-          <a:fillRef idx="0">
-            <a:schemeClr val="accent1"/>
-          </a:fillRef>
-          <a:effectRef idx="0">
-            <a:schemeClr val="accent1"/>
-          </a:effectRef>
-          <a:fontRef idx="minor">
-            <a:schemeClr val="tx1"/>
-          </a:fontRef>
-        </p:style>
-      </p:cxnSp>
-      <p:sp>
-        <p:nvSpPr>
-          <p:cNvPr id="41" name="TextBox 40"/>
-          <p:cNvSpPr txBox="1"/>
-          <p:nvPr/>
-        </p:nvSpPr>
-        <p:spPr>
-          <a:xfrm>
-            <a:off x="1796791" y="4225210"/>
-            <a:ext cx="2340889" cy="369332"/>
-          </a:xfrm>
-          <a:prstGeom prst="rect">
-            <a:avLst/>
-          </a:prstGeom>
-          <a:noFill/>
-        </p:spPr>
-        <p:txBody>
-          <a:bodyPr wrap="square" rtlCol="0">
-            <a:spAutoFit/>
-          </a:bodyPr>
-          <a:lstStyle/>
-          <a:p>
-            <a:r>
-              <a:rPr lang="en-US" dirty="0"/>
-              <a:t>Input Account Number</a:t>
             </a:r>
           </a:p>
         </p:txBody>
@@ -5182,7 +4974,7 @@
         </p:nvCxnSpPr>
         <p:spPr>
           <a:xfrm>
-            <a:off x="1684849" y="5108949"/>
+            <a:off x="1628368" y="4642957"/>
             <a:ext cx="2409161" cy="0"/>
           </a:xfrm>
           <a:prstGeom prst="straightConnector1">
@@ -5215,7 +5007,7 @@
         </p:nvSpPr>
         <p:spPr>
           <a:xfrm>
-            <a:off x="1796791" y="4685499"/>
+            <a:off x="1801880" y="4250836"/>
             <a:ext cx="2340889" cy="369332"/>
           </a:xfrm>
           <a:prstGeom prst="rect">
@@ -5246,7 +5038,7 @@
         </p:nvCxnSpPr>
         <p:spPr>
           <a:xfrm>
-            <a:off x="1684849" y="5588299"/>
+            <a:off x="1674632" y="5109527"/>
             <a:ext cx="2409161" cy="0"/>
           </a:xfrm>
           <a:prstGeom prst="straightConnector1">
@@ -5279,8 +5071,8 @@
         </p:nvSpPr>
         <p:spPr>
           <a:xfrm>
-            <a:off x="1605035" y="5164849"/>
-            <a:ext cx="2532645" cy="369332"/>
+            <a:off x="2232923" y="4657519"/>
+            <a:ext cx="1326742" cy="369332"/>
           </a:xfrm>
           <a:prstGeom prst="rect">
             <a:avLst/>
@@ -5295,7 +5087,7 @@
           <a:p>
             <a:r>
               <a:rPr lang="en-US" dirty="0"/>
-              <a:t>Input Email and phone</a:t>
+              <a:t>Input Email</a:t>
             </a:r>
           </a:p>
         </p:txBody>

--- a/documents/Document3-sequence diagrams.pptx
+++ b/documents/Document3-sequence diagrams.pptx
@@ -111,11 +111,6 @@
       </a:defRPr>
     </a:lvl9pPr>
   </p:defaultTextStyle>
-  <p:extLst>
-    <p:ext uri="{EFAFB233-063F-42B5-8137-9DF3F51BA10A}">
-      <p15:sldGuideLst xmlns:p15="http://schemas.microsoft.com/office/powerpoint/2012/main"/>
-    </p:ext>
-  </p:extLst>
 </p:presentation>
 </file>
 
@@ -164,6 +159,7 @@
               <a:rPr lang="en-US"/>
               <a:t>Click to edit Master title style</a:t>
             </a:r>
+            <a:endParaRPr lang="en-US"/>
           </a:p>
         </p:txBody>
       </p:sp>
@@ -228,6 +224,7 @@
               <a:rPr lang="en-US"/>
               <a:t>Click to edit Master subtitle style</a:t>
             </a:r>
+            <a:endParaRPr lang="en-US"/>
           </a:p>
         </p:txBody>
       </p:sp>
@@ -248,7 +245,7 @@
           <a:p>
             <a:fld id="{E9A077C6-3EC3-4E69-8CE4-48E127A471B0}" type="datetimeFigureOut">
               <a:rPr lang="en-US" smtClean="0"/>
-              <a:t>4/8/2017</a:t>
+              <a:t>2/21/2017</a:t>
             </a:fld>
             <a:endParaRPr lang="en-US"/>
           </a:p>
@@ -345,6 +342,7 @@
               <a:rPr lang="en-US"/>
               <a:t>Click to edit Master title style</a:t>
             </a:r>
+            <a:endParaRPr lang="en-US"/>
           </a:p>
         </p:txBody>
       </p:sp>
@@ -396,6 +394,7 @@
               <a:rPr lang="en-US"/>
               <a:t>Fifth level</a:t>
             </a:r>
+            <a:endParaRPr lang="en-US"/>
           </a:p>
         </p:txBody>
       </p:sp>
@@ -416,7 +415,7 @@
           <a:p>
             <a:fld id="{E9A077C6-3EC3-4E69-8CE4-48E127A471B0}" type="datetimeFigureOut">
               <a:rPr lang="en-US" smtClean="0"/>
-              <a:t>4/8/2017</a:t>
+              <a:t>2/21/2017</a:t>
             </a:fld>
             <a:endParaRPr lang="en-US"/>
           </a:p>
@@ -518,6 +517,7 @@
               <a:rPr lang="en-US"/>
               <a:t>Click to edit Master title style</a:t>
             </a:r>
+            <a:endParaRPr lang="en-US"/>
           </a:p>
         </p:txBody>
       </p:sp>
@@ -574,6 +574,7 @@
               <a:rPr lang="en-US"/>
               <a:t>Fifth level</a:t>
             </a:r>
+            <a:endParaRPr lang="en-US"/>
           </a:p>
         </p:txBody>
       </p:sp>
@@ -594,7 +595,7 @@
           <a:p>
             <a:fld id="{E9A077C6-3EC3-4E69-8CE4-48E127A471B0}" type="datetimeFigureOut">
               <a:rPr lang="en-US" smtClean="0"/>
-              <a:t>4/8/2017</a:t>
+              <a:t>2/21/2017</a:t>
             </a:fld>
             <a:endParaRPr lang="en-US"/>
           </a:p>
@@ -691,6 +692,7 @@
               <a:rPr lang="en-US"/>
               <a:t>Click to edit Master title style</a:t>
             </a:r>
+            <a:endParaRPr lang="en-US"/>
           </a:p>
         </p:txBody>
       </p:sp>
@@ -742,6 +744,7 @@
               <a:rPr lang="en-US"/>
               <a:t>Fifth level</a:t>
             </a:r>
+            <a:endParaRPr lang="en-US"/>
           </a:p>
         </p:txBody>
       </p:sp>
@@ -762,7 +765,7 @@
           <a:p>
             <a:fld id="{E9A077C6-3EC3-4E69-8CE4-48E127A471B0}" type="datetimeFigureOut">
               <a:rPr lang="en-US" smtClean="0"/>
-              <a:t>4/8/2017</a:t>
+              <a:t>2/21/2017</a:t>
             </a:fld>
             <a:endParaRPr lang="en-US"/>
           </a:p>
@@ -868,6 +871,7 @@
               <a:rPr lang="en-US"/>
               <a:t>Click to edit Master title style</a:t>
             </a:r>
+            <a:endParaRPr lang="en-US"/>
           </a:p>
         </p:txBody>
       </p:sp>
@@ -1007,7 +1011,7 @@
           <a:p>
             <a:fld id="{E9A077C6-3EC3-4E69-8CE4-48E127A471B0}" type="datetimeFigureOut">
               <a:rPr lang="en-US" smtClean="0"/>
-              <a:t>4/8/2017</a:t>
+              <a:t>2/21/2017</a:t>
             </a:fld>
             <a:endParaRPr lang="en-US"/>
           </a:p>
@@ -1104,6 +1108,7 @@
               <a:rPr lang="en-US"/>
               <a:t>Click to edit Master title style</a:t>
             </a:r>
+            <a:endParaRPr lang="en-US"/>
           </a:p>
         </p:txBody>
       </p:sp>
@@ -1160,6 +1165,7 @@
               <a:rPr lang="en-US"/>
               <a:t>Fifth level</a:t>
             </a:r>
+            <a:endParaRPr lang="en-US"/>
           </a:p>
         </p:txBody>
       </p:sp>
@@ -1216,6 +1222,7 @@
               <a:rPr lang="en-US"/>
               <a:t>Fifth level</a:t>
             </a:r>
+            <a:endParaRPr lang="en-US"/>
           </a:p>
         </p:txBody>
       </p:sp>
@@ -1236,7 +1243,7 @@
           <a:p>
             <a:fld id="{E9A077C6-3EC3-4E69-8CE4-48E127A471B0}" type="datetimeFigureOut">
               <a:rPr lang="en-US" smtClean="0"/>
-              <a:t>4/8/2017</a:t>
+              <a:t>2/21/2017</a:t>
             </a:fld>
             <a:endParaRPr lang="en-US"/>
           </a:p>
@@ -1338,6 +1345,7 @@
               <a:rPr lang="en-US"/>
               <a:t>Click to edit Master title style</a:t>
             </a:r>
+            <a:endParaRPr lang="en-US"/>
           </a:p>
         </p:txBody>
       </p:sp>
@@ -1459,6 +1467,7 @@
               <a:rPr lang="en-US"/>
               <a:t>Fifth level</a:t>
             </a:r>
+            <a:endParaRPr lang="en-US"/>
           </a:p>
         </p:txBody>
       </p:sp>
@@ -1580,6 +1589,7 @@
               <a:rPr lang="en-US"/>
               <a:t>Fifth level</a:t>
             </a:r>
+            <a:endParaRPr lang="en-US"/>
           </a:p>
         </p:txBody>
       </p:sp>
@@ -1600,7 +1610,7 @@
           <a:p>
             <a:fld id="{E9A077C6-3EC3-4E69-8CE4-48E127A471B0}" type="datetimeFigureOut">
               <a:rPr lang="en-US" smtClean="0"/>
-              <a:t>4/8/2017</a:t>
+              <a:t>2/21/2017</a:t>
             </a:fld>
             <a:endParaRPr lang="en-US"/>
           </a:p>
@@ -1697,6 +1707,7 @@
               <a:rPr lang="en-US"/>
               <a:t>Click to edit Master title style</a:t>
             </a:r>
+            <a:endParaRPr lang="en-US"/>
           </a:p>
         </p:txBody>
       </p:sp>
@@ -1717,7 +1728,7 @@
           <a:p>
             <a:fld id="{E9A077C6-3EC3-4E69-8CE4-48E127A471B0}" type="datetimeFigureOut">
               <a:rPr lang="en-US" smtClean="0"/>
-              <a:t>4/8/2017</a:t>
+              <a:t>2/21/2017</a:t>
             </a:fld>
             <a:endParaRPr lang="en-US"/>
           </a:p>
@@ -1812,7 +1823,7 @@
           <a:p>
             <a:fld id="{E9A077C6-3EC3-4E69-8CE4-48E127A471B0}" type="datetimeFigureOut">
               <a:rPr lang="en-US" smtClean="0"/>
-              <a:t>4/8/2017</a:t>
+              <a:t>2/21/2017</a:t>
             </a:fld>
             <a:endParaRPr lang="en-US"/>
           </a:p>
@@ -1918,6 +1929,7 @@
               <a:rPr lang="en-US"/>
               <a:t>Click to edit Master title style</a:t>
             </a:r>
+            <a:endParaRPr lang="en-US"/>
           </a:p>
         </p:txBody>
       </p:sp>
@@ -2002,6 +2014,7 @@
               <a:rPr lang="en-US"/>
               <a:t>Fifth level</a:t>
             </a:r>
+            <a:endParaRPr lang="en-US"/>
           </a:p>
         </p:txBody>
       </p:sp>
@@ -2087,7 +2100,7 @@
           <a:p>
             <a:fld id="{E9A077C6-3EC3-4E69-8CE4-48E127A471B0}" type="datetimeFigureOut">
               <a:rPr lang="en-US" smtClean="0"/>
-              <a:t>4/8/2017</a:t>
+              <a:t>2/21/2017</a:t>
             </a:fld>
             <a:endParaRPr lang="en-US"/>
           </a:p>
@@ -2193,6 +2206,7 @@
               <a:rPr lang="en-US"/>
               <a:t>Click to edit Master title style</a:t>
             </a:r>
+            <a:endParaRPr lang="en-US"/>
           </a:p>
         </p:txBody>
       </p:sp>
@@ -2339,7 +2353,7 @@
           <a:p>
             <a:fld id="{E9A077C6-3EC3-4E69-8CE4-48E127A471B0}" type="datetimeFigureOut">
               <a:rPr lang="en-US" smtClean="0"/>
-              <a:t>4/8/2017</a:t>
+              <a:t>2/21/2017</a:t>
             </a:fld>
             <a:endParaRPr lang="en-US"/>
           </a:p>
@@ -2451,6 +2465,7 @@
               <a:rPr lang="en-US"/>
               <a:t>Click to edit Master title style</a:t>
             </a:r>
+            <a:endParaRPr lang="en-US"/>
           </a:p>
         </p:txBody>
       </p:sp>
@@ -2512,6 +2527,7 @@
               <a:rPr lang="en-US"/>
               <a:t>Fifth level</a:t>
             </a:r>
+            <a:endParaRPr lang="en-US"/>
           </a:p>
         </p:txBody>
       </p:sp>
@@ -2550,7 +2566,7 @@
           <a:p>
             <a:fld id="{E9A077C6-3EC3-4E69-8CE4-48E127A471B0}" type="datetimeFigureOut">
               <a:rPr lang="en-US" smtClean="0"/>
-              <a:t>4/8/2017</a:t>
+              <a:t>2/21/2017</a:t>
             </a:fld>
             <a:endParaRPr lang="en-US"/>
           </a:p>
@@ -4382,7 +4398,7 @@
         </p:nvCxnSpPr>
         <p:spPr>
           <a:xfrm>
-            <a:off x="1664719" y="2495696"/>
+            <a:off x="1708500" y="1732219"/>
             <a:ext cx="2409161" cy="0"/>
           </a:xfrm>
           <a:prstGeom prst="straightConnector1">
@@ -4415,7 +4431,7 @@
         </p:nvSpPr>
         <p:spPr>
           <a:xfrm>
-            <a:off x="1953398" y="2126364"/>
+            <a:off x="1997179" y="1362887"/>
             <a:ext cx="1668918" cy="369332"/>
           </a:xfrm>
           <a:prstGeom prst="rect">
@@ -4451,7 +4467,7 @@
         </p:nvCxnSpPr>
         <p:spPr>
           <a:xfrm>
-            <a:off x="1664718" y="2927382"/>
+            <a:off x="1708499" y="2163905"/>
             <a:ext cx="2409161" cy="0"/>
           </a:xfrm>
           <a:prstGeom prst="straightConnector1">
@@ -4484,7 +4500,7 @@
         </p:nvSpPr>
         <p:spPr>
           <a:xfrm>
-            <a:off x="1986911" y="2558049"/>
+            <a:off x="2030692" y="1794572"/>
             <a:ext cx="1632178" cy="369332"/>
           </a:xfrm>
           <a:prstGeom prst="rect">
@@ -4515,7 +4531,7 @@
         </p:nvCxnSpPr>
         <p:spPr>
           <a:xfrm>
-            <a:off x="1635155" y="5495957"/>
+            <a:off x="1645372" y="5974729"/>
             <a:ext cx="2409161" cy="0"/>
           </a:xfrm>
           <a:prstGeom prst="straightConnector1">
@@ -4548,7 +4564,7 @@
         </p:nvSpPr>
         <p:spPr>
           <a:xfrm>
-            <a:off x="1863616" y="5088525"/>
+            <a:off x="1873833" y="5567297"/>
             <a:ext cx="2027414" cy="369332"/>
           </a:xfrm>
           <a:prstGeom prst="rect">
@@ -4777,7 +4793,7 @@
         </p:nvCxnSpPr>
         <p:spPr>
           <a:xfrm>
-            <a:off x="1664718" y="3405318"/>
+            <a:off x="1708499" y="2641841"/>
             <a:ext cx="2409161" cy="0"/>
           </a:xfrm>
           <a:prstGeom prst="straightConnector1">
@@ -4810,7 +4826,7 @@
         </p:nvSpPr>
         <p:spPr>
           <a:xfrm>
-            <a:off x="1986911" y="3035985"/>
+            <a:off x="2030692" y="2272508"/>
             <a:ext cx="1504707" cy="369332"/>
           </a:xfrm>
           <a:prstGeom prst="rect">
@@ -4841,7 +4857,7 @@
         </p:nvCxnSpPr>
         <p:spPr>
           <a:xfrm>
-            <a:off x="1652951" y="3768688"/>
+            <a:off x="1696732" y="3005211"/>
             <a:ext cx="2409161" cy="0"/>
           </a:xfrm>
           <a:prstGeom prst="straightConnector1">
@@ -4874,7 +4890,7 @@
         </p:nvSpPr>
         <p:spPr>
           <a:xfrm>
-            <a:off x="1975144" y="3399355"/>
+            <a:off x="2018925" y="2635878"/>
             <a:ext cx="1597553" cy="369332"/>
           </a:xfrm>
           <a:prstGeom prst="rect">
@@ -4910,7 +4926,7 @@
         </p:nvCxnSpPr>
         <p:spPr>
           <a:xfrm>
-            <a:off x="1664718" y="4156203"/>
+            <a:off x="1708499" y="3392726"/>
             <a:ext cx="2409161" cy="0"/>
           </a:xfrm>
           <a:prstGeom prst="straightConnector1">
@@ -4943,7 +4959,7 @@
         </p:nvSpPr>
         <p:spPr>
           <a:xfrm>
-            <a:off x="1729597" y="3861688"/>
+            <a:off x="1762992" y="3024710"/>
             <a:ext cx="2411173" cy="369332"/>
           </a:xfrm>
           <a:prstGeom prst="rect">
@@ -4960,6 +4976,198 @@
             <a:r>
               <a:rPr lang="en-US" dirty="0"/>
               <a:t>Input confirm password</a:t>
+            </a:r>
+          </a:p>
+        </p:txBody>
+      </p:sp>
+      <p:cxnSp>
+        <p:nvCxnSpPr>
+          <p:cNvPr id="35" name="Straight Arrow Connector 34"/>
+          <p:cNvCxnSpPr>
+            <a:cxnSpLocks/>
+          </p:cNvCxnSpPr>
+          <p:nvPr/>
+        </p:nvCxnSpPr>
+        <p:spPr>
+          <a:xfrm>
+            <a:off x="1684849" y="3785321"/>
+            <a:ext cx="2409161" cy="0"/>
+          </a:xfrm>
+          <a:prstGeom prst="straightConnector1">
+            <a:avLst/>
+          </a:prstGeom>
+          <a:ln>
+            <a:tailEnd type="triangle"/>
+          </a:ln>
+        </p:spPr>
+        <p:style>
+          <a:lnRef idx="1">
+            <a:schemeClr val="accent1"/>
+          </a:lnRef>
+          <a:fillRef idx="0">
+            <a:schemeClr val="accent1"/>
+          </a:fillRef>
+          <a:effectRef idx="0">
+            <a:schemeClr val="accent1"/>
+          </a:effectRef>
+          <a:fontRef idx="minor">
+            <a:schemeClr val="tx1"/>
+          </a:fontRef>
+        </p:style>
+      </p:cxnSp>
+      <p:sp>
+        <p:nvSpPr>
+          <p:cNvPr id="36" name="TextBox 35"/>
+          <p:cNvSpPr txBox="1"/>
+          <p:nvPr/>
+        </p:nvSpPr>
+        <p:spPr>
+          <a:xfrm>
+            <a:off x="2138249" y="3410977"/>
+            <a:ext cx="1464055" cy="369332"/>
+          </a:xfrm>
+          <a:prstGeom prst="rect">
+            <a:avLst/>
+          </a:prstGeom>
+          <a:noFill/>
+        </p:spPr>
+        <p:txBody>
+          <a:bodyPr wrap="square" rtlCol="0">
+            <a:spAutoFit/>
+          </a:bodyPr>
+          <a:lstStyle/>
+          <a:p>
+            <a:r>
+              <a:rPr lang="en-US" dirty="0"/>
+              <a:t>Input address</a:t>
+            </a:r>
+          </a:p>
+        </p:txBody>
+      </p:sp>
+      <p:cxnSp>
+        <p:nvCxnSpPr>
+          <p:cNvPr id="37" name="Straight Arrow Connector 36"/>
+          <p:cNvCxnSpPr>
+            <a:cxnSpLocks/>
+          </p:cNvCxnSpPr>
+          <p:nvPr/>
+        </p:nvCxnSpPr>
+        <p:spPr>
+          <a:xfrm>
+            <a:off x="1697392" y="4202822"/>
+            <a:ext cx="2409161" cy="0"/>
+          </a:xfrm>
+          <a:prstGeom prst="straightConnector1">
+            <a:avLst/>
+          </a:prstGeom>
+          <a:ln>
+            <a:tailEnd type="triangle"/>
+          </a:ln>
+        </p:spPr>
+        <p:style>
+          <a:lnRef idx="1">
+            <a:schemeClr val="accent1"/>
+          </a:lnRef>
+          <a:fillRef idx="0">
+            <a:schemeClr val="accent1"/>
+          </a:fillRef>
+          <a:effectRef idx="0">
+            <a:schemeClr val="accent1"/>
+          </a:effectRef>
+          <a:fontRef idx="minor">
+            <a:schemeClr val="tx1"/>
+          </a:fontRef>
+        </p:style>
+      </p:cxnSp>
+      <p:sp>
+        <p:nvSpPr>
+          <p:cNvPr id="38" name="TextBox 37"/>
+          <p:cNvSpPr txBox="1"/>
+          <p:nvPr/>
+        </p:nvSpPr>
+        <p:spPr>
+          <a:xfrm>
+            <a:off x="1765004" y="3803078"/>
+            <a:ext cx="2340889" cy="369332"/>
+          </a:xfrm>
+          <a:prstGeom prst="rect">
+            <a:avLst/>
+          </a:prstGeom>
+          <a:noFill/>
+        </p:spPr>
+        <p:txBody>
+          <a:bodyPr wrap="square" rtlCol="0">
+            <a:spAutoFit/>
+          </a:bodyPr>
+          <a:lstStyle/>
+          <a:p>
+            <a:r>
+              <a:rPr lang="en-US" dirty="0"/>
+              <a:t>Input Routing Number</a:t>
+            </a:r>
+          </a:p>
+        </p:txBody>
+      </p:sp>
+      <p:cxnSp>
+        <p:nvCxnSpPr>
+          <p:cNvPr id="39" name="Straight Arrow Connector 38"/>
+          <p:cNvCxnSpPr>
+            <a:cxnSpLocks/>
+          </p:cNvCxnSpPr>
+          <p:nvPr/>
+        </p:nvCxnSpPr>
+        <p:spPr>
+          <a:xfrm>
+            <a:off x="1684849" y="4648660"/>
+            <a:ext cx="2409161" cy="0"/>
+          </a:xfrm>
+          <a:prstGeom prst="straightConnector1">
+            <a:avLst/>
+          </a:prstGeom>
+          <a:ln>
+            <a:tailEnd type="triangle"/>
+          </a:ln>
+        </p:spPr>
+        <p:style>
+          <a:lnRef idx="1">
+            <a:schemeClr val="accent1"/>
+          </a:lnRef>
+          <a:fillRef idx="0">
+            <a:schemeClr val="accent1"/>
+          </a:fillRef>
+          <a:effectRef idx="0">
+            <a:schemeClr val="accent1"/>
+          </a:effectRef>
+          <a:fontRef idx="minor">
+            <a:schemeClr val="tx1"/>
+          </a:fontRef>
+        </p:style>
+      </p:cxnSp>
+      <p:sp>
+        <p:nvSpPr>
+          <p:cNvPr id="41" name="TextBox 40"/>
+          <p:cNvSpPr txBox="1"/>
+          <p:nvPr/>
+        </p:nvSpPr>
+        <p:spPr>
+          <a:xfrm>
+            <a:off x="1796791" y="4225210"/>
+            <a:ext cx="2340889" cy="369332"/>
+          </a:xfrm>
+          <a:prstGeom prst="rect">
+            <a:avLst/>
+          </a:prstGeom>
+          <a:noFill/>
+        </p:spPr>
+        <p:txBody>
+          <a:bodyPr wrap="square" rtlCol="0">
+            <a:spAutoFit/>
+          </a:bodyPr>
+          <a:lstStyle/>
+          <a:p>
+            <a:r>
+              <a:rPr lang="en-US" dirty="0"/>
+              <a:t>Input Account Number</a:t>
             </a:r>
           </a:p>
         </p:txBody>
@@ -4974,7 +5182,7 @@
         </p:nvCxnSpPr>
         <p:spPr>
           <a:xfrm>
-            <a:off x="1628368" y="4642957"/>
+            <a:off x="1684849" y="5108949"/>
             <a:ext cx="2409161" cy="0"/>
           </a:xfrm>
           <a:prstGeom prst="straightConnector1">
@@ -5007,7 +5215,7 @@
         </p:nvSpPr>
         <p:spPr>
           <a:xfrm>
-            <a:off x="1801880" y="4250836"/>
+            <a:off x="1796791" y="4685499"/>
             <a:ext cx="2340889" cy="369332"/>
           </a:xfrm>
           <a:prstGeom prst="rect">
@@ -5038,7 +5246,7 @@
         </p:nvCxnSpPr>
         <p:spPr>
           <a:xfrm>
-            <a:off x="1674632" y="5109527"/>
+            <a:off x="1684849" y="5588299"/>
             <a:ext cx="2409161" cy="0"/>
           </a:xfrm>
           <a:prstGeom prst="straightConnector1">
@@ -5071,8 +5279,8 @@
         </p:nvSpPr>
         <p:spPr>
           <a:xfrm>
-            <a:off x="2232923" y="4657519"/>
-            <a:ext cx="1326742" cy="369332"/>
+            <a:off x="1605035" y="5164849"/>
+            <a:ext cx="2532645" cy="369332"/>
           </a:xfrm>
           <a:prstGeom prst="rect">
             <a:avLst/>
@@ -5087,7 +5295,7 @@
           <a:p>
             <a:r>
               <a:rPr lang="en-US" dirty="0"/>
-              <a:t>Input Email</a:t>
+              <a:t>Input Email and phone</a:t>
             </a:r>
           </a:p>
         </p:txBody>
